--- a/TEIS Presentation - NSS DA7.pptx
+++ b/TEIS Presentation - NSS DA7.pptx
@@ -41,25 +41,32 @@
   <p:notesSz cx="6858000" cy="9144000"/>
   <p:embeddedFontLst>
     <p:embeddedFont>
-      <p:font typeface="Lato" panose="020F0502020204030203" pitchFamily="34" charset="0"/>
+      <p:font typeface="Calibri" panose="020F0502020204030204" pitchFamily="34" charset="0"/>
       <p:regular r:id="rId31"/>
       <p:bold r:id="rId32"/>
       <p:italic r:id="rId33"/>
       <p:boldItalic r:id="rId34"/>
     </p:embeddedFont>
     <p:embeddedFont>
-      <p:font typeface="Montserrat" panose="00000800000000000000" pitchFamily="2" charset="0"/>
+      <p:font typeface="Lato" panose="020F0502020204030203" pitchFamily="34" charset="0"/>
       <p:regular r:id="rId35"/>
       <p:bold r:id="rId36"/>
       <p:italic r:id="rId37"/>
       <p:boldItalic r:id="rId38"/>
     </p:embeddedFont>
     <p:embeddedFont>
-      <p:font typeface="Ubuntu" panose="020B0504030602030204" pitchFamily="34" charset="0"/>
+      <p:font typeface="Montserrat" panose="00000500000000000000" pitchFamily="2" charset="0"/>
       <p:regular r:id="rId39"/>
       <p:bold r:id="rId40"/>
       <p:italic r:id="rId41"/>
       <p:boldItalic r:id="rId42"/>
+    </p:embeddedFont>
+    <p:embeddedFont>
+      <p:font typeface="Ubuntu" panose="020B0504030602030204" pitchFamily="34" charset="0"/>
+      <p:regular r:id="rId43"/>
+      <p:bold r:id="rId44"/>
+      <p:italic r:id="rId45"/>
+      <p:boldItalic r:id="rId46"/>
     </p:embeddedFont>
   </p:embeddedFontLst>
   <p:defaultTextStyle>
@@ -12040,10 +12047,10 @@
       </p:sp>
       <p:pic>
         <p:nvPicPr>
-          <p:cNvPr id="9" name="Picture 8" descr="Chart, bar chart&#10;&#10;Description automatically generated">
+          <p:cNvPr id="3" name="Picture 2" descr="A computer screen capture&#10;&#10;Description automatically generated with low confidence">
             <a:extLst>
               <a:ext uri="{FF2B5EF4-FFF2-40B4-BE49-F238E27FC236}">
-                <a16:creationId xmlns:a16="http://schemas.microsoft.com/office/drawing/2014/main" id="{03C1FF76-4DE0-52DD-4886-C655C8CDB823}"/>
+                <a16:creationId xmlns:a16="http://schemas.microsoft.com/office/drawing/2014/main" id="{93DA6BAE-333B-9A49-0F5F-F476CCFDC314}"/>
               </a:ext>
             </a:extLst>
           </p:cNvPr>
@@ -12060,8 +12067,8 @@
         </p:blipFill>
         <p:spPr>
           <a:xfrm>
-            <a:off x="1029810" y="816745"/>
-            <a:ext cx="7910004" cy="4074851"/>
+            <a:off x="1026367" y="793102"/>
+            <a:ext cx="7473821" cy="4049486"/>
           </a:xfrm>
           <a:prstGeom prst="rect">
             <a:avLst/>
@@ -12153,10 +12160,10 @@
       </p:sp>
       <p:pic>
         <p:nvPicPr>
-          <p:cNvPr id="7" name="Picture 6" descr="Graphical user interface, application&#10;&#10;Description automatically generated">
+          <p:cNvPr id="3" name="Picture 2" descr="Graphical user interface&#10;&#10;Description automatically generated with low confidence">
             <a:extLst>
               <a:ext uri="{FF2B5EF4-FFF2-40B4-BE49-F238E27FC236}">
-                <a16:creationId xmlns:a16="http://schemas.microsoft.com/office/drawing/2014/main" id="{31098030-8123-3F78-AF00-7610E44C9C11}"/>
+                <a16:creationId xmlns:a16="http://schemas.microsoft.com/office/drawing/2014/main" id="{512441E4-AB30-A89F-7882-606723071A39}"/>
               </a:ext>
             </a:extLst>
           </p:cNvPr>
@@ -12173,8 +12180,8 @@
         </p:blipFill>
         <p:spPr>
           <a:xfrm>
-            <a:off x="1127464" y="932154"/>
-            <a:ext cx="7803472" cy="3986075"/>
+            <a:off x="1035698" y="774440"/>
+            <a:ext cx="7613780" cy="4049487"/>
           </a:xfrm>
           <a:prstGeom prst="rect">
             <a:avLst/>
@@ -12266,10 +12273,10 @@
       </p:sp>
       <p:pic>
         <p:nvPicPr>
-          <p:cNvPr id="10" name="Picture 9" descr="A picture containing timeline&#10;&#10;Description automatically generated">
+          <p:cNvPr id="3" name="Picture 2" descr="Graphical user interface, application&#10;&#10;Description automatically generated">
             <a:extLst>
               <a:ext uri="{FF2B5EF4-FFF2-40B4-BE49-F238E27FC236}">
-                <a16:creationId xmlns:a16="http://schemas.microsoft.com/office/drawing/2014/main" id="{DC39E968-A77E-F416-1521-587F2CFA5AA6}"/>
+                <a16:creationId xmlns:a16="http://schemas.microsoft.com/office/drawing/2014/main" id="{C087FF75-6072-6622-9FFE-76739B17F063}"/>
               </a:ext>
             </a:extLst>
           </p:cNvPr>
@@ -12286,8 +12293,8 @@
         </p:blipFill>
         <p:spPr>
           <a:xfrm>
-            <a:off x="1216241" y="958788"/>
-            <a:ext cx="7661430" cy="4012707"/>
+            <a:off x="1054358" y="961052"/>
+            <a:ext cx="7744409" cy="3872205"/>
           </a:xfrm>
           <a:prstGeom prst="rect">
             <a:avLst/>
@@ -12372,13 +12379,394 @@
                   <a:schemeClr val="tx1"/>
                 </a:solidFill>
               </a:rPr>
-              <a:t>Talking points - TBD</a:t>
+              <a:t>What did we learn?</a:t>
             </a:r>
             <a:endParaRPr dirty="0">
               <a:solidFill>
                 <a:schemeClr val="tx1"/>
               </a:solidFill>
             </a:endParaRPr>
+          </a:p>
+        </p:txBody>
+      </p:sp>
+      <p:sp>
+        <p:nvSpPr>
+          <p:cNvPr id="3" name="TextBox 2">
+            <a:extLst>
+              <a:ext uri="{FF2B5EF4-FFF2-40B4-BE49-F238E27FC236}">
+                <a16:creationId xmlns:a16="http://schemas.microsoft.com/office/drawing/2014/main" id="{4DE1F5CC-82E1-2B8A-E509-3E77F19BEA78}"/>
+              </a:ext>
+            </a:extLst>
+          </p:cNvPr>
+          <p:cNvSpPr txBox="1"/>
+          <p:nvPr/>
+        </p:nvSpPr>
+        <p:spPr>
+          <a:xfrm>
+            <a:off x="1380931" y="895739"/>
+            <a:ext cx="7417836" cy="4101123"/>
+          </a:xfrm>
+          <a:prstGeom prst="rect">
+            <a:avLst/>
+          </a:prstGeom>
+          <a:noFill/>
+        </p:spPr>
+        <p:txBody>
+          <a:bodyPr wrap="square" rtlCol="0">
+            <a:spAutoFit/>
+          </a:bodyPr>
+          <a:lstStyle/>
+          <a:p>
+            <a:pPr marL="342900" marR="0" lvl="0" indent="-342900">
+              <a:lnSpc>
+                <a:spcPct val="150000"/>
+              </a:lnSpc>
+              <a:spcBef>
+                <a:spcPts val="0"/>
+              </a:spcBef>
+              <a:spcAft>
+                <a:spcPts val="0"/>
+              </a:spcAft>
+              <a:buFont typeface="Symbol" panose="05050102010706020507" pitchFamily="18" charset="2"/>
+              <a:buChar char=""/>
+            </a:pPr>
+            <a:r>
+              <a:rPr lang="en-US" sz="1100" dirty="0">
+                <a:effectLst/>
+                <a:latin typeface="Calibri" panose="020F0502020204030204" pitchFamily="34" charset="0"/>
+                <a:ea typeface="Calibri" panose="020F0502020204030204" pitchFamily="34" charset="0"/>
+                <a:cs typeface="Times New Roman" panose="02020603050405020304" pitchFamily="18" charset="0"/>
+              </a:rPr>
+              <a:t>Out of 24 referral source types, only 17 have made 100 or more referrals since 2016</a:t>
+            </a:r>
+          </a:p>
+          <a:p>
+            <a:pPr marL="342900" marR="0" lvl="0" indent="-342900">
+              <a:spcBef>
+                <a:spcPts val="0"/>
+              </a:spcBef>
+              <a:spcAft>
+                <a:spcPts val="0"/>
+              </a:spcAft>
+              <a:buFont typeface="Symbol" panose="05050102010706020507" pitchFamily="18" charset="2"/>
+              <a:buChar char=""/>
+            </a:pPr>
+            <a:r>
+              <a:rPr lang="en-US" sz="1100" dirty="0">
+                <a:latin typeface="Calibri" panose="020F0502020204030204" pitchFamily="34" charset="0"/>
+                <a:ea typeface="Calibri" panose="020F0502020204030204" pitchFamily="34" charset="0"/>
+                <a:cs typeface="Times New Roman" panose="02020603050405020304" pitchFamily="18" charset="0"/>
+              </a:rPr>
+              <a:t>5</a:t>
+            </a:r>
+            <a:r>
+              <a:rPr lang="en-US" sz="1100" dirty="0">
+                <a:effectLst/>
+                <a:latin typeface="Calibri" panose="020F0502020204030204" pitchFamily="34" charset="0"/>
+                <a:ea typeface="Calibri" panose="020F0502020204030204" pitchFamily="34" charset="0"/>
+                <a:cs typeface="Times New Roman" panose="02020603050405020304" pitchFamily="18" charset="0"/>
+              </a:rPr>
+              <a:t> most successful referral source types:	Foster Parent – 62.23%</a:t>
+            </a:r>
+          </a:p>
+          <a:p>
+            <a:pPr lvl="2"/>
+            <a:r>
+              <a:rPr lang="en-US" sz="1100" dirty="0">
+                <a:latin typeface="Calibri" panose="020F0502020204030204" pitchFamily="34" charset="0"/>
+                <a:ea typeface="Calibri" panose="020F0502020204030204" pitchFamily="34" charset="0"/>
+                <a:cs typeface="Times New Roman" panose="02020603050405020304" pitchFamily="18" charset="0"/>
+              </a:rPr>
+              <a:t>			</a:t>
+            </a:r>
+            <a:r>
+              <a:rPr lang="en-US" sz="1100" dirty="0">
+                <a:effectLst/>
+                <a:latin typeface="Calibri" panose="020F0502020204030204" pitchFamily="34" charset="0"/>
+                <a:ea typeface="Calibri" panose="020F0502020204030204" pitchFamily="34" charset="0"/>
+                <a:cs typeface="Times New Roman" panose="02020603050405020304" pitchFamily="18" charset="0"/>
+              </a:rPr>
+              <a:t>Speech Therapist – 60.4%</a:t>
+            </a:r>
+          </a:p>
+          <a:p>
+            <a:pPr lvl="2"/>
+            <a:r>
+              <a:rPr lang="en-US" sz="1100" dirty="0">
+                <a:latin typeface="Calibri" panose="020F0502020204030204" pitchFamily="34" charset="0"/>
+                <a:ea typeface="Calibri" panose="020F0502020204030204" pitchFamily="34" charset="0"/>
+                <a:cs typeface="Times New Roman" panose="02020603050405020304" pitchFamily="18" charset="0"/>
+              </a:rPr>
+              <a:t>			</a:t>
+            </a:r>
+            <a:r>
+              <a:rPr lang="en-US" sz="1100" dirty="0">
+                <a:effectLst/>
+                <a:latin typeface="Calibri" panose="020F0502020204030204" pitchFamily="34" charset="0"/>
+                <a:ea typeface="Calibri" panose="020F0502020204030204" pitchFamily="34" charset="0"/>
+                <a:cs typeface="Times New Roman" panose="02020603050405020304" pitchFamily="18" charset="0"/>
+              </a:rPr>
+              <a:t>Physical Therapist – 60.19%</a:t>
+            </a:r>
+          </a:p>
+          <a:p>
+            <a:pPr lvl="2"/>
+            <a:r>
+              <a:rPr lang="en-US" sz="1100" dirty="0">
+                <a:latin typeface="Calibri" panose="020F0502020204030204" pitchFamily="34" charset="0"/>
+                <a:ea typeface="Calibri" panose="020F0502020204030204" pitchFamily="34" charset="0"/>
+                <a:cs typeface="Times New Roman" panose="02020603050405020304" pitchFamily="18" charset="0"/>
+              </a:rPr>
+              <a:t>			</a:t>
+            </a:r>
+            <a:r>
+              <a:rPr lang="en-US" sz="1100" dirty="0">
+                <a:effectLst/>
+                <a:latin typeface="Calibri" panose="020F0502020204030204" pitchFamily="34" charset="0"/>
+                <a:ea typeface="Calibri" panose="020F0502020204030204" pitchFamily="34" charset="0"/>
+                <a:cs typeface="Times New Roman" panose="02020603050405020304" pitchFamily="18" charset="0"/>
+              </a:rPr>
+              <a:t>Parent – 57.4%</a:t>
+            </a:r>
+          </a:p>
+          <a:p>
+            <a:pPr lvl="2"/>
+            <a:r>
+              <a:rPr lang="en-US" sz="1100" dirty="0">
+                <a:latin typeface="Calibri" panose="020F0502020204030204" pitchFamily="34" charset="0"/>
+                <a:ea typeface="Calibri" panose="020F0502020204030204" pitchFamily="34" charset="0"/>
+                <a:cs typeface="Times New Roman" panose="02020603050405020304" pitchFamily="18" charset="0"/>
+              </a:rPr>
+              <a:t>			</a:t>
+            </a:r>
+            <a:r>
+              <a:rPr lang="en-US" sz="1100" dirty="0">
+                <a:effectLst/>
+                <a:latin typeface="Calibri" panose="020F0502020204030204" pitchFamily="34" charset="0"/>
+                <a:ea typeface="Calibri" panose="020F0502020204030204" pitchFamily="34" charset="0"/>
+                <a:cs typeface="Times New Roman" panose="02020603050405020304" pitchFamily="18" charset="0"/>
+              </a:rPr>
+              <a:t>Family &amp; Friends – 53.1%</a:t>
+            </a:r>
+          </a:p>
+          <a:p>
+            <a:pPr marL="342900" marR="0" lvl="0" indent="-342900">
+              <a:lnSpc>
+                <a:spcPct val="150000"/>
+              </a:lnSpc>
+              <a:spcBef>
+                <a:spcPts val="0"/>
+              </a:spcBef>
+              <a:spcAft>
+                <a:spcPts val="0"/>
+              </a:spcAft>
+              <a:buFont typeface="Symbol" panose="05050102010706020507" pitchFamily="18" charset="2"/>
+              <a:buChar char=""/>
+            </a:pPr>
+            <a:r>
+              <a:rPr lang="en-US" sz="1100" dirty="0">
+                <a:latin typeface="Calibri" panose="020F0502020204030204" pitchFamily="34" charset="0"/>
+                <a:ea typeface="Calibri" panose="020F0502020204030204" pitchFamily="34" charset="0"/>
+                <a:cs typeface="Times New Roman" panose="02020603050405020304" pitchFamily="18" charset="0"/>
+              </a:rPr>
+              <a:t>5 least</a:t>
+            </a:r>
+            <a:r>
+              <a:rPr lang="en-US" sz="1100" dirty="0">
+                <a:effectLst/>
+                <a:latin typeface="Calibri" panose="020F0502020204030204" pitchFamily="34" charset="0"/>
+                <a:ea typeface="Calibri" panose="020F0502020204030204" pitchFamily="34" charset="0"/>
+                <a:cs typeface="Times New Roman" panose="02020603050405020304" pitchFamily="18" charset="0"/>
+              </a:rPr>
+              <a:t> successful referral source types:	DCS – 17.53%</a:t>
+            </a:r>
+          </a:p>
+          <a:p>
+            <a:pPr lvl="4"/>
+            <a:r>
+              <a:rPr lang="en-US" sz="1100" dirty="0">
+                <a:latin typeface="Calibri" panose="020F0502020204030204" pitchFamily="34" charset="0"/>
+                <a:ea typeface="Calibri" panose="020F0502020204030204" pitchFamily="34" charset="0"/>
+                <a:cs typeface="Times New Roman" panose="02020603050405020304" pitchFamily="18" charset="0"/>
+              </a:rPr>
+              <a:t>			</a:t>
+            </a:r>
+            <a:r>
+              <a:rPr lang="en-US" sz="1100" dirty="0">
+                <a:effectLst/>
+                <a:latin typeface="Calibri" panose="020F0502020204030204" pitchFamily="34" charset="0"/>
+                <a:ea typeface="Calibri" panose="020F0502020204030204" pitchFamily="34" charset="0"/>
+                <a:cs typeface="Times New Roman" panose="02020603050405020304" pitchFamily="18" charset="0"/>
+              </a:rPr>
+              <a:t>NHS – 31.08%							NICU – 35.36%							Dept of Health – 37.41%</a:t>
+            </a:r>
+          </a:p>
+          <a:p>
+            <a:pPr lvl="4"/>
+            <a:r>
+              <a:rPr lang="en-US" sz="1100" dirty="0">
+                <a:latin typeface="Calibri" panose="020F0502020204030204" pitchFamily="34" charset="0"/>
+                <a:ea typeface="Calibri" panose="020F0502020204030204" pitchFamily="34" charset="0"/>
+                <a:cs typeface="Times New Roman" panose="02020603050405020304" pitchFamily="18" charset="0"/>
+              </a:rPr>
+              <a:t>			</a:t>
+            </a:r>
+            <a:r>
+              <a:rPr lang="en-US" sz="1200" dirty="0">
+                <a:effectLst/>
+                <a:latin typeface="Calibri" panose="020F0502020204030204" pitchFamily="34" charset="0"/>
+                <a:ea typeface="Calibri" panose="020F0502020204030204" pitchFamily="34" charset="0"/>
+                <a:cs typeface="Times New Roman" panose="02020603050405020304" pitchFamily="18" charset="0"/>
+              </a:rPr>
+              <a:t>Hospital – 39.99%</a:t>
+            </a:r>
+          </a:p>
+          <a:p>
+            <a:pPr marL="342900" marR="0" lvl="0" indent="-342900">
+              <a:lnSpc>
+                <a:spcPct val="150000"/>
+              </a:lnSpc>
+              <a:spcBef>
+                <a:spcPts val="0"/>
+              </a:spcBef>
+              <a:spcAft>
+                <a:spcPts val="0"/>
+              </a:spcAft>
+              <a:buFont typeface="Symbol" panose="05050102010706020507" pitchFamily="18" charset="2"/>
+              <a:buChar char=""/>
+            </a:pPr>
+            <a:r>
+              <a:rPr lang="en-US" sz="1200" dirty="0">
+                <a:effectLst/>
+                <a:latin typeface="Calibri" panose="020F0502020204030204" pitchFamily="34" charset="0"/>
+                <a:ea typeface="Calibri" panose="020F0502020204030204" pitchFamily="34" charset="0"/>
+                <a:cs typeface="Times New Roman" panose="02020603050405020304" pitchFamily="18" charset="0"/>
+              </a:rPr>
+              <a:t>PCP is the biggest referral source, but ranks 9 out 17 for successful referral percentage at 41.6%</a:t>
+            </a:r>
+          </a:p>
+          <a:p>
+            <a:pPr marL="342900" marR="0" lvl="0" indent="-342900">
+              <a:lnSpc>
+                <a:spcPct val="150000"/>
+              </a:lnSpc>
+              <a:spcBef>
+                <a:spcPts val="0"/>
+              </a:spcBef>
+              <a:spcAft>
+                <a:spcPts val="0"/>
+              </a:spcAft>
+              <a:buFont typeface="Symbol" panose="05050102010706020507" pitchFamily="18" charset="2"/>
+              <a:buChar char=""/>
+            </a:pPr>
+            <a:r>
+              <a:rPr lang="en-US" sz="1200" dirty="0">
+                <a:effectLst/>
+                <a:latin typeface="Calibri" panose="020F0502020204030204" pitchFamily="34" charset="0"/>
+                <a:ea typeface="Calibri" panose="020F0502020204030204" pitchFamily="34" charset="0"/>
+                <a:cs typeface="Times New Roman" panose="02020603050405020304" pitchFamily="18" charset="0"/>
+              </a:rPr>
+              <a:t>DCS is the second biggest referral source, but ranks 17 out 17 for successful referral percentage at 17.53%</a:t>
+            </a:r>
+          </a:p>
+          <a:p>
+            <a:pPr marL="342900" marR="0" lvl="0" indent="-342900">
+              <a:lnSpc>
+                <a:spcPct val="150000"/>
+              </a:lnSpc>
+              <a:spcBef>
+                <a:spcPts val="0"/>
+              </a:spcBef>
+              <a:spcAft>
+                <a:spcPts val="0"/>
+              </a:spcAft>
+              <a:buFont typeface="Symbol" panose="05050102010706020507" pitchFamily="18" charset="2"/>
+              <a:buChar char=""/>
+            </a:pPr>
+            <a:r>
+              <a:rPr lang="en-US" sz="1200" dirty="0">
+                <a:effectLst/>
+                <a:latin typeface="Calibri" panose="020F0502020204030204" pitchFamily="34" charset="0"/>
+                <a:ea typeface="Calibri" panose="020F0502020204030204" pitchFamily="34" charset="0"/>
+                <a:cs typeface="Times New Roman" panose="02020603050405020304" pitchFamily="18" charset="0"/>
+              </a:rPr>
+              <a:t>Parent is the third biggest referral source, but ranks 4 out of 17 for successful referral percentage at 57.4%</a:t>
+            </a:r>
+          </a:p>
+          <a:p>
+            <a:pPr marL="342900" marR="0" lvl="0" indent="-342900">
+              <a:lnSpc>
+                <a:spcPct val="150000"/>
+              </a:lnSpc>
+              <a:spcBef>
+                <a:spcPts val="0"/>
+              </a:spcBef>
+              <a:spcAft>
+                <a:spcPts val="0"/>
+              </a:spcAft>
+              <a:buFont typeface="Symbol" panose="05050102010706020507" pitchFamily="18" charset="2"/>
+              <a:buChar char=""/>
+            </a:pPr>
+            <a:r>
+              <a:rPr lang="en-US" sz="1200" dirty="0">
+                <a:effectLst/>
+                <a:latin typeface="Calibri" panose="020F0502020204030204" pitchFamily="34" charset="0"/>
+                <a:ea typeface="Calibri" panose="020F0502020204030204" pitchFamily="34" charset="0"/>
+                <a:cs typeface="Times New Roman" panose="02020603050405020304" pitchFamily="18" charset="0"/>
+              </a:rPr>
+              <a:t>Resource types who work more closely with a child have better successful referral percentages</a:t>
+            </a:r>
+          </a:p>
+          <a:p>
+            <a:pPr marL="342900" marR="0" lvl="0" indent="-342900">
+              <a:lnSpc>
+                <a:spcPct val="150000"/>
+              </a:lnSpc>
+              <a:spcBef>
+                <a:spcPts val="0"/>
+              </a:spcBef>
+              <a:spcAft>
+                <a:spcPts val="0"/>
+              </a:spcAft>
+              <a:buFont typeface="Symbol" panose="05050102010706020507" pitchFamily="18" charset="2"/>
+              <a:buChar char=""/>
+            </a:pPr>
+            <a:r>
+              <a:rPr lang="en-US" sz="1200" dirty="0">
+                <a:effectLst/>
+                <a:latin typeface="Calibri" panose="020F0502020204030204" pitchFamily="34" charset="0"/>
+                <a:ea typeface="Calibri" panose="020F0502020204030204" pitchFamily="34" charset="0"/>
+                <a:cs typeface="Times New Roman" panose="02020603050405020304" pitchFamily="18" charset="0"/>
+              </a:rPr>
+              <a:t>Institutions which typically have transient relationships with a child are the least successful referral sources</a:t>
+            </a:r>
+          </a:p>
+          <a:p>
+            <a:pPr marL="342900" marR="0" lvl="0" indent="-342900">
+              <a:lnSpc>
+                <a:spcPct val="150000"/>
+              </a:lnSpc>
+              <a:spcBef>
+                <a:spcPts val="0"/>
+              </a:spcBef>
+              <a:spcAft>
+                <a:spcPts val="0"/>
+              </a:spcAft>
+              <a:buFont typeface="Symbol" panose="05050102010706020507" pitchFamily="18" charset="2"/>
+              <a:buChar char=""/>
+            </a:pPr>
+            <a:r>
+              <a:rPr lang="en-US" sz="1200" dirty="0">
+                <a:effectLst/>
+                <a:latin typeface="Calibri" panose="020F0502020204030204" pitchFamily="34" charset="0"/>
+                <a:ea typeface="Calibri" panose="020F0502020204030204" pitchFamily="34" charset="0"/>
+                <a:cs typeface="Times New Roman" panose="02020603050405020304" pitchFamily="18" charset="0"/>
+              </a:rPr>
+              <a:t>Volume of referrals does not equal success of referrals, measured by creation of an IFSP</a:t>
+            </a:r>
+          </a:p>
+          <a:p>
+            <a:endParaRPr lang="en-US" dirty="0"/>
           </a:p>
         </p:txBody>
       </p:sp>
